--- a/Glucose_Forcasting_Slides.pptx
+++ b/Glucose_Forcasting_Slides.pptx
@@ -2749,14 +2749,22 @@
         <p:txBody>
           <a:bodyPr/>
           <a:lstStyle>
-            <a:lvl1pPr defTabSz="393192">
-              <a:defRPr sz="3784"/>
+            <a:lvl1pPr algn="l" defTabSz="452627">
+              <a:spcBef>
+                <a:spcPts val="1300"/>
+              </a:spcBef>
+              <a:defRPr b="1" sz="2277">
+                <a:latin typeface="Times Roman"/>
+                <a:ea typeface="Times Roman"/>
+                <a:cs typeface="Times Roman"/>
+                <a:sym typeface="Times Roman"/>
+              </a:defRPr>
             </a:lvl1pPr>
           </a:lstStyle>
           <a:p>
             <a:pPr/>
             <a:r>
-              <a:t>Predicting Insulin Dosage for Type 1 Diabetes Using Machine Learning</a:t>
+              <a:t>Glucose Forecasting for Type 1 Diabetes Using Machine Learning</a:t>
             </a:r>
           </a:p>
         </p:txBody>
@@ -2787,7 +2795,7 @@
           <a:p>
             <a:pPr/>
             <a:r>
-              <a:t>Sahar Saeed</a:t>
+              <a:t>Sahar Saeed(23095056)</a:t>
             </a:r>
             <a:br/>
             <a:r>
@@ -4471,7 +4479,7 @@
           <a:p>
             <a:pPr/>
             <a:r>
-              <a:t>GitHub: https://github.com/your-repo (replace with actual link)</a:t>
+              <a:t>GitHub: https://github.com/saeedsahar/GlucoseForecastingML.git</a:t>
             </a:r>
           </a:p>
         </p:txBody>
@@ -5142,7 +5150,6 @@
             <a:r>
               <a:t>Machine learning for personalized insulin and glucose forecasting.</a:t>
             </a:r>
-            <a:endParaRPr i="0"/>
           </a:p>
         </p:txBody>
       </p:sp>
